--- a/graphicsEditorA_202201/doc/수업A.pptx
+++ b/graphicsEditorA_202201/doc/수업A.pptx
@@ -1,11 +1,13 @@
 
 <file path=ppt/presentation.xml><?xml version="1.0" encoding="utf-8"?>
-<p:presentation xmlns:a="http://schemas.openxmlformats.org/drawingml/2006/main" xmlns:r="http://schemas.openxmlformats.org/officeDocument/2006/relationships" xmlns:p="http://schemas.openxmlformats.org/presentationml/2006/main" saveSubsetFonts="1">
+<p:presentation xmlns:a="http://schemas.openxmlformats.org/drawingml/2006/main" xmlns:r="http://schemas.openxmlformats.org/officeDocument/2006/relationships" xmlns:p="http://schemas.openxmlformats.org/presentationml/2006/main" serverZoom="37232" saveSubsetFonts="1">
   <p:sldMasterIdLst>
     <p:sldMasterId id="2147483648" r:id="rId1"/>
   </p:sldMasterIdLst>
   <p:sldIdLst>
     <p:sldId id="256" r:id="rId2"/>
+    <p:sldId id="257" r:id="rId3"/>
+    <p:sldId id="258" r:id="rId4"/>
   </p:sldIdLst>
   <p:sldSz cx="12192000" cy="6858000"/>
   <p:notesSz cx="6858000" cy="9144000"/>
@@ -104,6 +106,11 @@
       </a:defRPr>
     </a:lvl9pPr>
   </p:defaultTextStyle>
+  <p:extLst>
+    <p:ext uri="{EFAFB233-063F-42B5-8137-9DF3F51BA10A}">
+      <p15:sldGuideLst xmlns:p15="http://schemas.microsoft.com/office/powerpoint/2012/main"/>
+    </p:ext>
+  </p:extLst>
 </p:presentation>
 </file>
 
@@ -238,7 +245,7 @@
           <a:p>
             <a:fld id="{26057504-1392-49F7-A37A-651F3EE4AB96}" type="datetimeFigureOut">
               <a:rPr lang="ko-KR" altLang="en-US" smtClean="0"/>
-              <a:t>2022-05-04</a:t>
+              <a:t>2022-05-09</a:t>
             </a:fld>
             <a:endParaRPr lang="ko-KR" altLang="en-US"/>
           </a:p>
@@ -408,7 +415,7 @@
           <a:p>
             <a:fld id="{26057504-1392-49F7-A37A-651F3EE4AB96}" type="datetimeFigureOut">
               <a:rPr lang="ko-KR" altLang="en-US" smtClean="0"/>
-              <a:t>2022-05-04</a:t>
+              <a:t>2022-05-09</a:t>
             </a:fld>
             <a:endParaRPr lang="ko-KR" altLang="en-US"/>
           </a:p>
@@ -588,7 +595,7 @@
           <a:p>
             <a:fld id="{26057504-1392-49F7-A37A-651F3EE4AB96}" type="datetimeFigureOut">
               <a:rPr lang="ko-KR" altLang="en-US" smtClean="0"/>
-              <a:t>2022-05-04</a:t>
+              <a:t>2022-05-09</a:t>
             </a:fld>
             <a:endParaRPr lang="ko-KR" altLang="en-US"/>
           </a:p>
@@ -758,7 +765,7 @@
           <a:p>
             <a:fld id="{26057504-1392-49F7-A37A-651F3EE4AB96}" type="datetimeFigureOut">
               <a:rPr lang="ko-KR" altLang="en-US" smtClean="0"/>
-              <a:t>2022-05-04</a:t>
+              <a:t>2022-05-09</a:t>
             </a:fld>
             <a:endParaRPr lang="ko-KR" altLang="en-US"/>
           </a:p>
@@ -1004,7 +1011,7 @@
           <a:p>
             <a:fld id="{26057504-1392-49F7-A37A-651F3EE4AB96}" type="datetimeFigureOut">
               <a:rPr lang="ko-KR" altLang="en-US" smtClean="0"/>
-              <a:t>2022-05-04</a:t>
+              <a:t>2022-05-09</a:t>
             </a:fld>
             <a:endParaRPr lang="ko-KR" altLang="en-US"/>
           </a:p>
@@ -1236,7 +1243,7 @@
           <a:p>
             <a:fld id="{26057504-1392-49F7-A37A-651F3EE4AB96}" type="datetimeFigureOut">
               <a:rPr lang="ko-KR" altLang="en-US" smtClean="0"/>
-              <a:t>2022-05-04</a:t>
+              <a:t>2022-05-09</a:t>
             </a:fld>
             <a:endParaRPr lang="ko-KR" altLang="en-US"/>
           </a:p>
@@ -1603,7 +1610,7 @@
           <a:p>
             <a:fld id="{26057504-1392-49F7-A37A-651F3EE4AB96}" type="datetimeFigureOut">
               <a:rPr lang="ko-KR" altLang="en-US" smtClean="0"/>
-              <a:t>2022-05-04</a:t>
+              <a:t>2022-05-09</a:t>
             </a:fld>
             <a:endParaRPr lang="ko-KR" altLang="en-US"/>
           </a:p>
@@ -1721,7 +1728,7 @@
           <a:p>
             <a:fld id="{26057504-1392-49F7-A37A-651F3EE4AB96}" type="datetimeFigureOut">
               <a:rPr lang="ko-KR" altLang="en-US" smtClean="0"/>
-              <a:t>2022-05-04</a:t>
+              <a:t>2022-05-09</a:t>
             </a:fld>
             <a:endParaRPr lang="ko-KR" altLang="en-US"/>
           </a:p>
@@ -1816,7 +1823,7 @@
           <a:p>
             <a:fld id="{26057504-1392-49F7-A37A-651F3EE4AB96}" type="datetimeFigureOut">
               <a:rPr lang="ko-KR" altLang="en-US" smtClean="0"/>
-              <a:t>2022-05-04</a:t>
+              <a:t>2022-05-09</a:t>
             </a:fld>
             <a:endParaRPr lang="ko-KR" altLang="en-US"/>
           </a:p>
@@ -2093,7 +2100,7 @@
           <a:p>
             <a:fld id="{26057504-1392-49F7-A37A-651F3EE4AB96}" type="datetimeFigureOut">
               <a:rPr lang="ko-KR" altLang="en-US" smtClean="0"/>
-              <a:t>2022-05-04</a:t>
+              <a:t>2022-05-09</a:t>
             </a:fld>
             <a:endParaRPr lang="ko-KR" altLang="en-US"/>
           </a:p>
@@ -2346,7 +2353,7 @@
           <a:p>
             <a:fld id="{26057504-1392-49F7-A37A-651F3EE4AB96}" type="datetimeFigureOut">
               <a:rPr lang="ko-KR" altLang="en-US" smtClean="0"/>
-              <a:t>2022-05-04</a:t>
+              <a:t>2022-05-09</a:t>
             </a:fld>
             <a:endParaRPr lang="ko-KR" altLang="en-US"/>
           </a:p>
@@ -2559,7 +2566,7 @@
           <a:p>
             <a:fld id="{26057504-1392-49F7-A37A-651F3EE4AB96}" type="datetimeFigureOut">
               <a:rPr lang="ko-KR" altLang="en-US" smtClean="0"/>
-              <a:t>2022-05-04</a:t>
+              <a:t>2022-05-09</a:t>
             </a:fld>
             <a:endParaRPr lang="ko-KR" altLang="en-US"/>
           </a:p>
@@ -3250,6 +3257,684 @@
 </p:sld>
 </file>
 
+<file path=ppt/slides/slide2.xml><?xml version="1.0" encoding="utf-8"?>
+<p:sld xmlns:a="http://schemas.openxmlformats.org/drawingml/2006/main" xmlns:r="http://schemas.openxmlformats.org/officeDocument/2006/relationships" xmlns:p="http://schemas.openxmlformats.org/presentationml/2006/main">
+  <p:cSld>
+    <p:spTree>
+      <p:nvGrpSpPr>
+        <p:cNvPr id="1" name=""/>
+        <p:cNvGrpSpPr/>
+        <p:nvPr/>
+      </p:nvGrpSpPr>
+      <p:grpSpPr>
+        <a:xfrm>
+          <a:off x="0" y="0"/>
+          <a:ext cx="0" cy="0"/>
+          <a:chOff x="0" y="0"/>
+          <a:chExt cx="0" cy="0"/>
+        </a:xfrm>
+      </p:grpSpPr>
+      <p:sp>
+        <p:nvSpPr>
+          <p:cNvPr id="2" name="TextBox 1"/>
+          <p:cNvSpPr txBox="1"/>
+          <p:nvPr/>
+        </p:nvSpPr>
+        <p:spPr>
+          <a:xfrm>
+            <a:off x="397043" y="613611"/>
+            <a:ext cx="11478126" cy="3416320"/>
+          </a:xfrm>
+          <a:prstGeom prst="rect">
+            <a:avLst/>
+          </a:prstGeom>
+          <a:noFill/>
+        </p:spPr>
+        <p:txBody>
+          <a:bodyPr wrap="square" rtlCol="0">
+            <a:spAutoFit/>
+          </a:bodyPr>
+          <a:lstStyle/>
+          <a:p>
+            <a:r>
+              <a:rPr lang="en-US" altLang="ko-KR" dirty="0" smtClean="0"/>
+              <a:t>2022-05-09</a:t>
+            </a:r>
+          </a:p>
+          <a:p>
+            <a:pPr marL="285750" indent="-285750">
+              <a:buFontTx/>
+              <a:buChar char="-"/>
+            </a:pPr>
+            <a:r>
+              <a:rPr lang="en-US" altLang="ko-KR" dirty="0" smtClean="0"/>
+              <a:t>Cursor</a:t>
+            </a:r>
+          </a:p>
+          <a:p>
+            <a:pPr marL="742950" lvl="1" indent="-285750">
+              <a:buFontTx/>
+              <a:buChar char="-"/>
+            </a:pPr>
+            <a:r>
+              <a:rPr lang="ko-KR" altLang="en-US" dirty="0" smtClean="0"/>
+              <a:t>상</a:t>
+            </a:r>
+            <a:r>
+              <a:rPr lang="ko-KR" altLang="en-US" dirty="0"/>
+              <a:t>태</a:t>
+            </a:r>
+            <a:endParaRPr lang="en-US" altLang="ko-KR" dirty="0" smtClean="0"/>
+          </a:p>
+          <a:p>
+            <a:pPr marL="1200150" lvl="2" indent="-285750">
+              <a:buFontTx/>
+              <a:buChar char="-"/>
+            </a:pPr>
+            <a:r>
+              <a:rPr lang="en-US" altLang="ko-KR" dirty="0" smtClean="0"/>
+              <a:t>Idle</a:t>
+            </a:r>
+          </a:p>
+          <a:p>
+            <a:pPr marL="1200150" lvl="2" indent="-285750">
+              <a:buFontTx/>
+              <a:buChar char="-"/>
+            </a:pPr>
+            <a:r>
+              <a:rPr lang="en-US" altLang="ko-KR" dirty="0" smtClean="0"/>
+              <a:t>Move</a:t>
+            </a:r>
+          </a:p>
+          <a:p>
+            <a:pPr marL="1200150" lvl="2" indent="-285750">
+              <a:buFontTx/>
+              <a:buChar char="-"/>
+            </a:pPr>
+            <a:r>
+              <a:rPr lang="en-US" altLang="ko-KR" dirty="0" smtClean="0"/>
+              <a:t>Resize</a:t>
+            </a:r>
+          </a:p>
+          <a:p>
+            <a:pPr marL="1200150" lvl="2" indent="-285750">
+              <a:buFontTx/>
+              <a:buChar char="-"/>
+            </a:pPr>
+            <a:r>
+              <a:rPr lang="en-US" altLang="ko-KR" dirty="0" smtClean="0"/>
+              <a:t>Rotate</a:t>
+            </a:r>
+            <a:endParaRPr lang="en-US" altLang="ko-KR" dirty="0"/>
+          </a:p>
+          <a:p>
+            <a:pPr marL="1200150" lvl="2" indent="-285750">
+              <a:buFontTx/>
+              <a:buChar char="-"/>
+            </a:pPr>
+            <a:r>
+              <a:rPr lang="en-US" altLang="ko-KR" dirty="0"/>
+              <a:t>Text </a:t>
+            </a:r>
+            <a:r>
+              <a:rPr lang="en-US" altLang="ko-KR" dirty="0" smtClean="0"/>
+              <a:t>Edit</a:t>
+            </a:r>
+          </a:p>
+          <a:p>
+            <a:pPr marL="285750" indent="-285750">
+              <a:buFontTx/>
+              <a:buChar char="-"/>
+            </a:pPr>
+            <a:r>
+              <a:rPr lang="ko-KR" altLang="en-US" dirty="0" smtClean="0"/>
+              <a:t>도형</a:t>
+            </a:r>
+            <a:endParaRPr lang="en-US" altLang="ko-KR" dirty="0" smtClean="0"/>
+          </a:p>
+          <a:p>
+            <a:pPr marL="742950" lvl="1" indent="-285750">
+              <a:buFontTx/>
+              <a:buChar char="-"/>
+            </a:pPr>
+            <a:r>
+              <a:rPr lang="ko-KR" altLang="en-US" dirty="0" smtClean="0"/>
+              <a:t>상태</a:t>
+            </a:r>
+            <a:endParaRPr lang="en-US" altLang="ko-KR" dirty="0" smtClean="0"/>
+          </a:p>
+          <a:p>
+            <a:pPr marL="1200150" lvl="2" indent="-285750">
+              <a:buFontTx/>
+              <a:buChar char="-"/>
+            </a:pPr>
+            <a:r>
+              <a:rPr lang="en-US" altLang="ko-KR" dirty="0" smtClean="0"/>
+              <a:t>Selected</a:t>
+            </a:r>
+            <a:endParaRPr lang="en-US" altLang="ko-KR" dirty="0"/>
+          </a:p>
+          <a:p>
+            <a:pPr marL="1200150" lvl="2" indent="-285750">
+              <a:buFontTx/>
+              <a:buChar char="-"/>
+            </a:pPr>
+            <a:endParaRPr lang="ko-KR" altLang="en-US" dirty="0"/>
+          </a:p>
+        </p:txBody>
+      </p:sp>
+      <p:sp>
+        <p:nvSpPr>
+          <p:cNvPr id="3" name="직사각형 2"/>
+          <p:cNvSpPr/>
+          <p:nvPr/>
+        </p:nvSpPr>
+        <p:spPr>
+          <a:xfrm>
+            <a:off x="7182853" y="1232913"/>
+            <a:ext cx="2538664" cy="2177716"/>
+          </a:xfrm>
+          <a:prstGeom prst="rect">
+            <a:avLst/>
+          </a:prstGeom>
+        </p:spPr>
+        <p:style>
+          <a:lnRef idx="2">
+            <a:schemeClr val="accent1">
+              <a:shade val="50000"/>
+            </a:schemeClr>
+          </a:lnRef>
+          <a:fillRef idx="1">
+            <a:schemeClr val="accent1"/>
+          </a:fillRef>
+          <a:effectRef idx="0">
+            <a:schemeClr val="accent1"/>
+          </a:effectRef>
+          <a:fontRef idx="minor">
+            <a:schemeClr val="lt1"/>
+          </a:fontRef>
+        </p:style>
+        <p:txBody>
+          <a:bodyPr rtlCol="0" anchor="ctr"/>
+          <a:lstStyle/>
+          <a:p>
+            <a:pPr algn="ctr"/>
+            <a:r>
+              <a:rPr lang="en-US" altLang="ko-KR" dirty="0" err="1" smtClean="0"/>
+              <a:t>DrawingPanel</a:t>
+            </a:r>
+            <a:endParaRPr lang="ko-KR" altLang="en-US" dirty="0"/>
+          </a:p>
+        </p:txBody>
+      </p:sp>
+      <p:sp>
+        <p:nvSpPr>
+          <p:cNvPr id="4" name="직사각형 3"/>
+          <p:cNvSpPr/>
+          <p:nvPr/>
+        </p:nvSpPr>
+        <p:spPr>
+          <a:xfrm>
+            <a:off x="3597442" y="1232913"/>
+            <a:ext cx="2538664" cy="2177716"/>
+          </a:xfrm>
+          <a:prstGeom prst="rect">
+            <a:avLst/>
+          </a:prstGeom>
+        </p:spPr>
+        <p:style>
+          <a:lnRef idx="2">
+            <a:schemeClr val="accent1">
+              <a:shade val="50000"/>
+            </a:schemeClr>
+          </a:lnRef>
+          <a:fillRef idx="1">
+            <a:schemeClr val="accent1"/>
+          </a:fillRef>
+          <a:effectRef idx="0">
+            <a:schemeClr val="accent1"/>
+          </a:effectRef>
+          <a:fontRef idx="minor">
+            <a:schemeClr val="lt1"/>
+          </a:fontRef>
+        </p:style>
+        <p:txBody>
+          <a:bodyPr rtlCol="0" anchor="ctr"/>
+          <a:lstStyle/>
+          <a:p>
+            <a:pPr algn="ctr"/>
+            <a:r>
+              <a:rPr lang="en-US" altLang="ko-KR" dirty="0" smtClean="0"/>
+              <a:t>Shape</a:t>
+            </a:r>
+            <a:endParaRPr lang="ko-KR" altLang="en-US" dirty="0"/>
+          </a:p>
+        </p:txBody>
+      </p:sp>
+      <p:cxnSp>
+        <p:nvCxnSpPr>
+          <p:cNvPr id="6" name="직선 화살표 연결선 5"/>
+          <p:cNvCxnSpPr>
+            <a:stCxn id="3" idx="1"/>
+            <a:endCxn id="4" idx="3"/>
+          </p:cNvCxnSpPr>
+          <p:nvPr/>
+        </p:nvCxnSpPr>
+        <p:spPr>
+          <a:xfrm flipH="1">
+            <a:off x="6136106" y="2321771"/>
+            <a:ext cx="1046747" cy="0"/>
+          </a:xfrm>
+          <a:prstGeom prst="straightConnector1">
+            <a:avLst/>
+          </a:prstGeom>
+          <a:ln>
+            <a:tailEnd type="triangle"/>
+          </a:ln>
+        </p:spPr>
+        <p:style>
+          <a:lnRef idx="1">
+            <a:schemeClr val="accent1"/>
+          </a:lnRef>
+          <a:fillRef idx="0">
+            <a:schemeClr val="accent1"/>
+          </a:fillRef>
+          <a:effectRef idx="0">
+            <a:schemeClr val="accent1"/>
+          </a:effectRef>
+          <a:fontRef idx="minor">
+            <a:schemeClr val="tx1"/>
+          </a:fontRef>
+        </p:style>
+      </p:cxnSp>
+      <p:sp>
+        <p:nvSpPr>
+          <p:cNvPr id="8" name="직사각형 7"/>
+          <p:cNvSpPr/>
+          <p:nvPr/>
+        </p:nvSpPr>
+        <p:spPr>
+          <a:xfrm>
+            <a:off x="3763880" y="697832"/>
+            <a:ext cx="1451811" cy="879987"/>
+          </a:xfrm>
+          <a:prstGeom prst="rect">
+            <a:avLst/>
+          </a:prstGeom>
+          <a:solidFill>
+            <a:schemeClr val="accent2"/>
+          </a:solidFill>
+        </p:spPr>
+        <p:style>
+          <a:lnRef idx="2">
+            <a:schemeClr val="accent1">
+              <a:shade val="50000"/>
+            </a:schemeClr>
+          </a:lnRef>
+          <a:fillRef idx="1">
+            <a:schemeClr val="accent1"/>
+          </a:fillRef>
+          <a:effectRef idx="0">
+            <a:schemeClr val="accent1"/>
+          </a:effectRef>
+          <a:fontRef idx="minor">
+            <a:schemeClr val="lt1"/>
+          </a:fontRef>
+        </p:style>
+        <p:txBody>
+          <a:bodyPr rtlCol="0" anchor="ctr"/>
+          <a:lstStyle/>
+          <a:p>
+            <a:pPr algn="ctr"/>
+            <a:r>
+              <a:rPr lang="en-US" altLang="ko-KR" dirty="0" smtClean="0"/>
+              <a:t>Shared Info</a:t>
+            </a:r>
+            <a:endParaRPr lang="ko-KR" altLang="en-US" dirty="0"/>
+          </a:p>
+        </p:txBody>
+      </p:sp>
+    </p:spTree>
+    <p:extLst>
+      <p:ext uri="{BB962C8B-B14F-4D97-AF65-F5344CB8AC3E}">
+        <p14:creationId xmlns:p14="http://schemas.microsoft.com/office/powerpoint/2010/main" val="2362988080"/>
+      </p:ext>
+    </p:extLst>
+  </p:cSld>
+  <p:clrMapOvr>
+    <a:masterClrMapping/>
+  </p:clrMapOvr>
+</p:sld>
+</file>
+
+<file path=ppt/slides/slide3.xml><?xml version="1.0" encoding="utf-8"?>
+<p:sld xmlns:a="http://schemas.openxmlformats.org/drawingml/2006/main" xmlns:r="http://schemas.openxmlformats.org/officeDocument/2006/relationships" xmlns:p="http://schemas.openxmlformats.org/presentationml/2006/main">
+  <p:cSld>
+    <p:spTree>
+      <p:nvGrpSpPr>
+        <p:cNvPr id="1" name=""/>
+        <p:cNvGrpSpPr/>
+        <p:nvPr/>
+      </p:nvGrpSpPr>
+      <p:grpSpPr>
+        <a:xfrm>
+          <a:off x="0" y="0"/>
+          <a:ext cx="0" cy="0"/>
+          <a:chOff x="0" y="0"/>
+          <a:chExt cx="0" cy="0"/>
+        </a:xfrm>
+      </p:grpSpPr>
+      <p:sp>
+        <p:nvSpPr>
+          <p:cNvPr id="3" name="직사각형 2"/>
+          <p:cNvSpPr/>
+          <p:nvPr/>
+        </p:nvSpPr>
+        <p:spPr>
+          <a:xfrm>
+            <a:off x="7182853" y="1232913"/>
+            <a:ext cx="2538664" cy="2177716"/>
+          </a:xfrm>
+          <a:prstGeom prst="rect">
+            <a:avLst/>
+          </a:prstGeom>
+        </p:spPr>
+        <p:style>
+          <a:lnRef idx="2">
+            <a:schemeClr val="accent1">
+              <a:shade val="50000"/>
+            </a:schemeClr>
+          </a:lnRef>
+          <a:fillRef idx="1">
+            <a:schemeClr val="accent1"/>
+          </a:fillRef>
+          <a:effectRef idx="0">
+            <a:schemeClr val="accent1"/>
+          </a:effectRef>
+          <a:fontRef idx="minor">
+            <a:schemeClr val="lt1"/>
+          </a:fontRef>
+        </p:style>
+        <p:txBody>
+          <a:bodyPr rtlCol="0" anchor="ctr"/>
+          <a:lstStyle/>
+          <a:p>
+            <a:pPr algn="ctr"/>
+            <a:r>
+              <a:rPr lang="en-US" altLang="ko-KR" dirty="0" err="1" smtClean="0"/>
+              <a:t>DrawingPanel</a:t>
+            </a:r>
+            <a:endParaRPr lang="ko-KR" altLang="en-US" dirty="0"/>
+          </a:p>
+        </p:txBody>
+      </p:sp>
+      <p:sp>
+        <p:nvSpPr>
+          <p:cNvPr id="4" name="직사각형 3"/>
+          <p:cNvSpPr/>
+          <p:nvPr/>
+        </p:nvSpPr>
+        <p:spPr>
+          <a:xfrm>
+            <a:off x="3597442" y="1232913"/>
+            <a:ext cx="2538664" cy="2177716"/>
+          </a:xfrm>
+          <a:prstGeom prst="rect">
+            <a:avLst/>
+          </a:prstGeom>
+        </p:spPr>
+        <p:style>
+          <a:lnRef idx="2">
+            <a:schemeClr val="accent1">
+              <a:shade val="50000"/>
+            </a:schemeClr>
+          </a:lnRef>
+          <a:fillRef idx="1">
+            <a:schemeClr val="accent1"/>
+          </a:fillRef>
+          <a:effectRef idx="0">
+            <a:schemeClr val="accent1"/>
+          </a:effectRef>
+          <a:fontRef idx="minor">
+            <a:schemeClr val="lt1"/>
+          </a:fontRef>
+        </p:style>
+        <p:txBody>
+          <a:bodyPr rtlCol="0" anchor="ctr"/>
+          <a:lstStyle/>
+          <a:p>
+            <a:pPr algn="ctr"/>
+            <a:r>
+              <a:rPr lang="en-US" altLang="ko-KR" dirty="0" smtClean="0"/>
+              <a:t>Shape</a:t>
+            </a:r>
+            <a:endParaRPr lang="ko-KR" altLang="en-US" dirty="0"/>
+          </a:p>
+        </p:txBody>
+      </p:sp>
+      <p:cxnSp>
+        <p:nvCxnSpPr>
+          <p:cNvPr id="6" name="직선 화살표 연결선 5"/>
+          <p:cNvCxnSpPr>
+            <a:stCxn id="3" idx="1"/>
+            <a:endCxn id="4" idx="3"/>
+          </p:cNvCxnSpPr>
+          <p:nvPr/>
+        </p:nvCxnSpPr>
+        <p:spPr>
+          <a:xfrm flipH="1">
+            <a:off x="6136106" y="2321771"/>
+            <a:ext cx="1046747" cy="0"/>
+          </a:xfrm>
+          <a:prstGeom prst="straightConnector1">
+            <a:avLst/>
+          </a:prstGeom>
+          <a:ln>
+            <a:tailEnd type="triangle"/>
+          </a:ln>
+        </p:spPr>
+        <p:style>
+          <a:lnRef idx="1">
+            <a:schemeClr val="accent1"/>
+          </a:lnRef>
+          <a:fillRef idx="0">
+            <a:schemeClr val="accent1"/>
+          </a:fillRef>
+          <a:effectRef idx="0">
+            <a:schemeClr val="accent1"/>
+          </a:effectRef>
+          <a:fontRef idx="minor">
+            <a:schemeClr val="tx1"/>
+          </a:fontRef>
+        </p:style>
+      </p:cxnSp>
+      <p:sp>
+        <p:nvSpPr>
+          <p:cNvPr id="8" name="직사각형 7"/>
+          <p:cNvSpPr/>
+          <p:nvPr/>
+        </p:nvSpPr>
+        <p:spPr>
+          <a:xfrm>
+            <a:off x="4095751" y="759154"/>
+            <a:ext cx="1961146" cy="535081"/>
+          </a:xfrm>
+          <a:prstGeom prst="rect">
+            <a:avLst/>
+          </a:prstGeom>
+          <a:solidFill>
+            <a:schemeClr val="accent2"/>
+          </a:solidFill>
+        </p:spPr>
+        <p:style>
+          <a:lnRef idx="2">
+            <a:schemeClr val="accent1">
+              <a:shade val="50000"/>
+            </a:schemeClr>
+          </a:lnRef>
+          <a:fillRef idx="1">
+            <a:schemeClr val="accent1"/>
+          </a:fillRef>
+          <a:effectRef idx="0">
+            <a:schemeClr val="accent1"/>
+          </a:effectRef>
+          <a:fontRef idx="minor">
+            <a:schemeClr val="lt1"/>
+          </a:fontRef>
+        </p:style>
+        <p:txBody>
+          <a:bodyPr rtlCol="0" anchor="ctr"/>
+          <a:lstStyle/>
+          <a:p>
+            <a:pPr algn="ctr"/>
+            <a:r>
+              <a:rPr lang="en-US" altLang="ko-KR" dirty="0" err="1" smtClean="0"/>
+              <a:t>bSelected</a:t>
+            </a:r>
+            <a:endParaRPr lang="ko-KR" altLang="en-US" dirty="0"/>
+          </a:p>
+        </p:txBody>
+      </p:sp>
+      <p:sp>
+        <p:nvSpPr>
+          <p:cNvPr id="7" name="직사각형 6"/>
+          <p:cNvSpPr/>
+          <p:nvPr/>
+        </p:nvSpPr>
+        <p:spPr>
+          <a:xfrm>
+            <a:off x="360948" y="1232913"/>
+            <a:ext cx="2538664" cy="2177716"/>
+          </a:xfrm>
+          <a:prstGeom prst="rect">
+            <a:avLst/>
+          </a:prstGeom>
+        </p:spPr>
+        <p:style>
+          <a:lnRef idx="2">
+            <a:schemeClr val="accent1">
+              <a:shade val="50000"/>
+            </a:schemeClr>
+          </a:lnRef>
+          <a:fillRef idx="1">
+            <a:schemeClr val="accent1"/>
+          </a:fillRef>
+          <a:effectRef idx="0">
+            <a:schemeClr val="accent1"/>
+          </a:effectRef>
+          <a:fontRef idx="minor">
+            <a:schemeClr val="lt1"/>
+          </a:fontRef>
+        </p:style>
+        <p:txBody>
+          <a:bodyPr rtlCol="0" anchor="ctr"/>
+          <a:lstStyle/>
+          <a:p>
+            <a:pPr algn="ctr"/>
+            <a:r>
+              <a:rPr lang="en-US" altLang="ko-KR" dirty="0" smtClean="0"/>
+              <a:t>Anchor</a:t>
+            </a:r>
+            <a:endParaRPr lang="ko-KR" altLang="en-US" dirty="0"/>
+          </a:p>
+        </p:txBody>
+      </p:sp>
+      <p:cxnSp>
+        <p:nvCxnSpPr>
+          <p:cNvPr id="9" name="직선 화살표 연결선 8"/>
+          <p:cNvCxnSpPr>
+            <a:stCxn id="4" idx="1"/>
+            <a:endCxn id="7" idx="3"/>
+          </p:cNvCxnSpPr>
+          <p:nvPr/>
+        </p:nvCxnSpPr>
+        <p:spPr>
+          <a:xfrm flipH="1">
+            <a:off x="2899612" y="2321771"/>
+            <a:ext cx="697830" cy="0"/>
+          </a:xfrm>
+          <a:prstGeom prst="straightConnector1">
+            <a:avLst/>
+          </a:prstGeom>
+          <a:ln>
+            <a:tailEnd type="triangle"/>
+          </a:ln>
+        </p:spPr>
+        <p:style>
+          <a:lnRef idx="1">
+            <a:schemeClr val="accent1"/>
+          </a:lnRef>
+          <a:fillRef idx="0">
+            <a:schemeClr val="accent1"/>
+          </a:fillRef>
+          <a:effectRef idx="0">
+            <a:schemeClr val="accent1"/>
+          </a:effectRef>
+          <a:fontRef idx="minor">
+            <a:schemeClr val="tx1"/>
+          </a:fontRef>
+        </p:style>
+      </p:cxnSp>
+      <p:sp>
+        <p:nvSpPr>
+          <p:cNvPr id="11" name="직사각형 10"/>
+          <p:cNvSpPr/>
+          <p:nvPr/>
+        </p:nvSpPr>
+        <p:spPr>
+          <a:xfrm>
+            <a:off x="4107783" y="1355558"/>
+            <a:ext cx="1949114" cy="535081"/>
+          </a:xfrm>
+          <a:prstGeom prst="rect">
+            <a:avLst/>
+          </a:prstGeom>
+          <a:solidFill>
+            <a:schemeClr val="accent2"/>
+          </a:solidFill>
+        </p:spPr>
+        <p:style>
+          <a:lnRef idx="2">
+            <a:schemeClr val="accent1">
+              <a:shade val="50000"/>
+            </a:schemeClr>
+          </a:lnRef>
+          <a:fillRef idx="1">
+            <a:schemeClr val="accent1"/>
+          </a:fillRef>
+          <a:effectRef idx="0">
+            <a:schemeClr val="accent1"/>
+          </a:effectRef>
+          <a:fontRef idx="minor">
+            <a:schemeClr val="lt1"/>
+          </a:fontRef>
+        </p:style>
+        <p:txBody>
+          <a:bodyPr rtlCol="0" anchor="ctr"/>
+          <a:lstStyle/>
+          <a:p>
+            <a:pPr algn="ctr"/>
+            <a:r>
+              <a:rPr lang="en-US" altLang="ko-KR" dirty="0" err="1" smtClean="0"/>
+              <a:t>eSelectedAncrho</a:t>
+            </a:r>
+            <a:endParaRPr lang="ko-KR" altLang="en-US" dirty="0"/>
+          </a:p>
+        </p:txBody>
+      </p:sp>
+    </p:spTree>
+    <p:extLst>
+      <p:ext uri="{BB962C8B-B14F-4D97-AF65-F5344CB8AC3E}">
+        <p14:creationId xmlns:p14="http://schemas.microsoft.com/office/powerpoint/2010/main" val="1184204264"/>
+      </p:ext>
+    </p:extLst>
+  </p:cSld>
+  <p:clrMapOvr>
+    <a:masterClrMapping/>
+  </p:clrMapOvr>
+</p:sld>
+</file>
+
 <file path=ppt/theme/theme1.xml><?xml version="1.0" encoding="utf-8"?>
 <a:theme xmlns:a="http://schemas.openxmlformats.org/drawingml/2006/main" name="Office 테마">
   <a:themeElements>
